--- a/Session1/session1_MRamos.pptx
+++ b/Session1/session1_MRamos.pptx
@@ -5,7 +5,7 @@
     <p:sldMasterId id="2147483648" r:id="rId1"/>
   </p:sldMasterIdLst>
   <p:notesMasterIdLst>
-    <p:notesMasterId r:id="rId29"/>
+    <p:notesMasterId r:id="rId31"/>
   </p:notesMasterIdLst>
   <p:sldIdLst>
     <p:sldId id="256" r:id="rId2"/>
@@ -30,11 +30,13 @@
     <p:sldId id="271" r:id="rId21"/>
     <p:sldId id="272" r:id="rId22"/>
     <p:sldId id="273" r:id="rId23"/>
-    <p:sldId id="276" r:id="rId24"/>
-    <p:sldId id="266" r:id="rId25"/>
-    <p:sldId id="277" r:id="rId26"/>
-    <p:sldId id="279" r:id="rId27"/>
-    <p:sldId id="278" r:id="rId28"/>
+    <p:sldId id="285" r:id="rId24"/>
+    <p:sldId id="276" r:id="rId25"/>
+    <p:sldId id="266" r:id="rId26"/>
+    <p:sldId id="286" r:id="rId27"/>
+    <p:sldId id="277" r:id="rId28"/>
+    <p:sldId id="279" r:id="rId29"/>
+    <p:sldId id="278" r:id="rId30"/>
   </p:sldIdLst>
   <p:sldSz cx="9144000" cy="6858000" type="screen4x3"/>
   <p:notesSz cx="6858000" cy="9144000"/>
@@ -656,7 +658,7 @@
           <a:p>
             <a:fld id="{DD7F6AD9-CA92-496A-BBD3-971B49747270}" type="slidenum">
               <a:rPr lang="en-US" smtClean="0"/>
-              <a:t>23</a:t>
+              <a:t>24</a:t>
             </a:fld>
             <a:endParaRPr lang="en-US"/>
           </a:p>
@@ -3688,15 +3690,7 @@
           <a:p>
             <a:r>
               <a:rPr lang="en-US" dirty="0"/>
-              <a:t>July </a:t>
-            </a:r>
-            <a:r>
-              <a:rPr lang="en-US" dirty="0" smtClean="0"/>
-              <a:t>19, </a:t>
-            </a:r>
-            <a:r>
-              <a:rPr lang="en-US" dirty="0"/>
-              <a:t>2016</a:t>
+              <a:t>July 19, 2016</a:t>
             </a:r>
           </a:p>
           <a:p>
@@ -3708,15 +3702,7 @@
           <a:p>
             <a:r>
               <a:rPr lang="en-US" dirty="0"/>
-              <a:t>Tuesdays &amp; </a:t>
-            </a:r>
-            <a:r>
-              <a:rPr lang="en-US" dirty="0" smtClean="0"/>
-              <a:t>Thursdays </a:t>
-            </a:r>
-            <a:r>
-              <a:rPr lang="en-US" dirty="0"/>
-              <a:t>6:00 PM to 8:00 PM</a:t>
+              <a:t>Tuesdays &amp; Thursdays 6:00 PM to 8:00 PM</a:t>
             </a:r>
           </a:p>
         </p:txBody>
@@ -3731,13 +3717,6 @@
   <p:clrMapOvr>
     <a:masterClrMapping/>
   </p:clrMapOvr>
-  <p:timing>
-    <p:tnLst>
-      <p:par>
-        <p:cTn id="1" dur="indefinite" restart="never" nodeType="tmRoot"/>
-      </p:par>
-    </p:tnLst>
-  </p:timing>
 </p:sld>
 </file>
 
@@ -4791,35 +4770,35 @@
                 <a:gridCol w="1432560">
                   <a:extLst>
                     <a:ext uri="{9D8B030D-6E8A-4147-A177-3AD203B41FA5}">
-                      <a16:colId xmlns:a16="http://schemas.microsoft.com/office/drawing/2014/main" xmlns="" val="20000"/>
+                      <a16:colId xmlns:a16="http://schemas.microsoft.com/office/drawing/2014/main" val="20000"/>
                     </a:ext>
                   </a:extLst>
                 </a:gridCol>
                 <a:gridCol w="1432560">
                   <a:extLst>
                     <a:ext uri="{9D8B030D-6E8A-4147-A177-3AD203B41FA5}">
-                      <a16:colId xmlns:a16="http://schemas.microsoft.com/office/drawing/2014/main" xmlns="" val="20001"/>
+                      <a16:colId xmlns:a16="http://schemas.microsoft.com/office/drawing/2014/main" val="20001"/>
                     </a:ext>
                   </a:extLst>
                 </a:gridCol>
                 <a:gridCol w="1432560">
                   <a:extLst>
                     <a:ext uri="{9D8B030D-6E8A-4147-A177-3AD203B41FA5}">
-                      <a16:colId xmlns:a16="http://schemas.microsoft.com/office/drawing/2014/main" xmlns="" val="20002"/>
+                      <a16:colId xmlns:a16="http://schemas.microsoft.com/office/drawing/2014/main" val="20002"/>
                     </a:ext>
                   </a:extLst>
                 </a:gridCol>
                 <a:gridCol w="1432560">
                   <a:extLst>
                     <a:ext uri="{9D8B030D-6E8A-4147-A177-3AD203B41FA5}">
-                      <a16:colId xmlns:a16="http://schemas.microsoft.com/office/drawing/2014/main" xmlns="" val="20003"/>
+                      <a16:colId xmlns:a16="http://schemas.microsoft.com/office/drawing/2014/main" val="20003"/>
                     </a:ext>
                   </a:extLst>
                 </a:gridCol>
                 <a:gridCol w="1432560">
                   <a:extLst>
                     <a:ext uri="{9D8B030D-6E8A-4147-A177-3AD203B41FA5}">
-                      <a16:colId xmlns:a16="http://schemas.microsoft.com/office/drawing/2014/main" xmlns="" val="20004"/>
+                      <a16:colId xmlns:a16="http://schemas.microsoft.com/office/drawing/2014/main" val="20004"/>
                     </a:ext>
                   </a:extLst>
                 </a:gridCol>
@@ -5027,7 +5006,7 @@
                 </a:tc>
                 <a:extLst>
                   <a:ext uri="{0D108BD9-81ED-4DB2-BD59-A6C34878D82A}">
-                    <a16:rowId xmlns:a16="http://schemas.microsoft.com/office/drawing/2014/main" xmlns="" val="10000"/>
+                    <a16:rowId xmlns:a16="http://schemas.microsoft.com/office/drawing/2014/main" val="10000"/>
                   </a:ext>
                 </a:extLst>
               </a:tr>
@@ -5181,7 +5160,7 @@
                 </a:tc>
                 <a:extLst>
                   <a:ext uri="{0D108BD9-81ED-4DB2-BD59-A6C34878D82A}">
-                    <a16:rowId xmlns:a16="http://schemas.microsoft.com/office/drawing/2014/main" xmlns="" val="10001"/>
+                    <a16:rowId xmlns:a16="http://schemas.microsoft.com/office/drawing/2014/main" val="10001"/>
                   </a:ext>
                 </a:extLst>
               </a:tr>
@@ -5296,7 +5275,7 @@
                 </a:tc>
                 <a:extLst>
                   <a:ext uri="{0D108BD9-81ED-4DB2-BD59-A6C34878D82A}">
-                    <a16:rowId xmlns:a16="http://schemas.microsoft.com/office/drawing/2014/main" xmlns="" val="10002"/>
+                    <a16:rowId xmlns:a16="http://schemas.microsoft.com/office/drawing/2014/main" val="10002"/>
                   </a:ext>
                 </a:extLst>
               </a:tr>
@@ -5411,7 +5390,7 @@
                 </a:tc>
                 <a:extLst>
                   <a:ext uri="{0D108BD9-81ED-4DB2-BD59-A6C34878D82A}">
-                    <a16:rowId xmlns:a16="http://schemas.microsoft.com/office/drawing/2014/main" xmlns="" val="10003"/>
+                    <a16:rowId xmlns:a16="http://schemas.microsoft.com/office/drawing/2014/main" val="10003"/>
                   </a:ext>
                 </a:extLst>
               </a:tr>
@@ -5526,7 +5505,7 @@
                 </a:tc>
                 <a:extLst>
                   <a:ext uri="{0D108BD9-81ED-4DB2-BD59-A6C34878D82A}">
-                    <a16:rowId xmlns:a16="http://schemas.microsoft.com/office/drawing/2014/main" xmlns="" val="10004"/>
+                    <a16:rowId xmlns:a16="http://schemas.microsoft.com/office/drawing/2014/main" val="10004"/>
                   </a:ext>
                 </a:extLst>
               </a:tr>
@@ -5641,7 +5620,7 @@
                 </a:tc>
                 <a:extLst>
                   <a:ext uri="{0D108BD9-81ED-4DB2-BD59-A6C34878D82A}">
-                    <a16:rowId xmlns:a16="http://schemas.microsoft.com/office/drawing/2014/main" xmlns="" val="10005"/>
+                    <a16:rowId xmlns:a16="http://schemas.microsoft.com/office/drawing/2014/main" val="10005"/>
                   </a:ext>
                 </a:extLst>
               </a:tr>
@@ -5753,7 +5732,7 @@
                 </a:tc>
                 <a:extLst>
                   <a:ext uri="{0D108BD9-81ED-4DB2-BD59-A6C34878D82A}">
-                    <a16:rowId xmlns:a16="http://schemas.microsoft.com/office/drawing/2014/main" xmlns="" val="10006"/>
+                    <a16:rowId xmlns:a16="http://schemas.microsoft.com/office/drawing/2014/main" val="10006"/>
                   </a:ext>
                 </a:extLst>
               </a:tr>
@@ -6097,9 +6076,16 @@
             <p:ph idx="1"/>
           </p:nvPr>
         </p:nvSpPr>
-        <p:spPr/>
-        <p:txBody>
-          <a:bodyPr/>
+        <p:spPr>
+          <a:xfrm>
+            <a:off x="457200" y="1496947"/>
+            <a:ext cx="8229600" cy="4830763"/>
+          </a:xfrm>
+        </p:spPr>
+        <p:txBody>
+          <a:bodyPr>
+            <a:normAutofit/>
+          </a:bodyPr>
           <a:lstStyle/>
           <a:p>
             <a:r>
@@ -6146,7 +6132,7 @@
             </a:r>
             <a:r>
               <a:rPr lang="en-US" dirty="0"/>
-              <a:t>] to execute code</a:t>
+              <a:t>] to execute highlighted code</a:t>
             </a:r>
           </a:p>
           <a:p>
@@ -6207,6 +6193,78 @@
             <a:r>
               <a:rPr lang="en-US" dirty="0"/>
               <a:t>] + # to select a specific one</a:t>
+            </a:r>
+          </a:p>
+          <a:p>
+            <a:r>
+              <a:rPr lang="en-US" dirty="0"/>
+              <a:t>Add comment section with [</a:t>
+            </a:r>
+            <a:r>
+              <a:rPr lang="en-US" b="1" dirty="0">
+                <a:solidFill>
+                  <a:srgbClr val="1F497D"/>
+                </a:solidFill>
+              </a:rPr>
+              <a:t>Ctrl</a:t>
+            </a:r>
+            <a:r>
+              <a:rPr lang="en-US" dirty="0"/>
+              <a:t>] + [</a:t>
+            </a:r>
+            <a:r>
+              <a:rPr lang="en-US" b="1" dirty="0">
+                <a:solidFill>
+                  <a:srgbClr val="1F497D"/>
+                </a:solidFill>
+              </a:rPr>
+              <a:t>/</a:t>
+            </a:r>
+            <a:r>
+              <a:rPr lang="en-US" dirty="0"/>
+              <a:t>] on highlighted text</a:t>
+            </a:r>
+          </a:p>
+          <a:p>
+            <a:r>
+              <a:rPr lang="en-US" dirty="0"/>
+              <a:t>Remove comment section [</a:t>
+            </a:r>
+            <a:r>
+              <a:rPr lang="en-US" b="1" dirty="0">
+                <a:solidFill>
+                  <a:srgbClr val="1F497D"/>
+                </a:solidFill>
+              </a:rPr>
+              <a:t>Ctrl</a:t>
+            </a:r>
+            <a:r>
+              <a:rPr lang="en-US" dirty="0"/>
+              <a:t>] + [</a:t>
+            </a:r>
+            <a:r>
+              <a:rPr lang="en-US" b="1" dirty="0">
+                <a:solidFill>
+                  <a:srgbClr val="1F497D"/>
+                </a:solidFill>
+              </a:rPr>
+              <a:t>Shift</a:t>
+            </a:r>
+            <a:r>
+              <a:rPr lang="en-US" dirty="0"/>
+              <a:t>] + [</a:t>
+            </a:r>
+            <a:r>
+              <a:rPr lang="en-US" b="1" dirty="0">
+                <a:solidFill>
+                  <a:srgbClr val="1F497D"/>
+                </a:solidFill>
+              </a:rPr>
+              <a:t>/</a:t>
+            </a:r>
+            <a:r>
+              <a:rPr lang="en-US" dirty="0"/>
+              <a:t>] </a:t>
             </a:r>
           </a:p>
         </p:txBody>
@@ -6480,10 +6538,9 @@
           <a:lstStyle/>
           <a:p>
             <a:r>
-              <a:rPr lang="en-US" dirty="0" smtClean="0"/>
+              <a:rPr lang="en-US" dirty="0"/>
               <a:t>Introductions</a:t>
             </a:r>
-            <a:endParaRPr lang="en-US" dirty="0"/>
           </a:p>
         </p:txBody>
       </p:sp>
@@ -6503,40 +6560,39 @@
           <a:lstStyle/>
           <a:p>
             <a:r>
-              <a:rPr lang="en-US" dirty="0" smtClean="0"/>
+              <a:rPr lang="en-US" dirty="0"/>
               <a:t>Name</a:t>
             </a:r>
           </a:p>
           <a:p>
             <a:r>
-              <a:rPr lang="en-US" dirty="0" smtClean="0"/>
+              <a:rPr lang="en-US" dirty="0"/>
               <a:t>Program</a:t>
             </a:r>
           </a:p>
           <a:p>
             <a:r>
-              <a:rPr lang="en-US" dirty="0" smtClean="0"/>
+              <a:rPr lang="en-US" dirty="0"/>
               <a:t>Level of familiarity with SAS</a:t>
             </a:r>
           </a:p>
           <a:p>
             <a:r>
-              <a:rPr lang="en-US" dirty="0" smtClean="0"/>
+              <a:rPr lang="en-US" dirty="0"/>
               <a:t>Expectations</a:t>
             </a:r>
           </a:p>
           <a:p>
             <a:r>
-              <a:rPr lang="en-US" dirty="0" smtClean="0"/>
+              <a:rPr lang="en-US" dirty="0"/>
               <a:t>Research interests</a:t>
             </a:r>
           </a:p>
           <a:p>
             <a:r>
-              <a:rPr lang="en-US" dirty="0" smtClean="0"/>
+              <a:rPr lang="en-US" dirty="0"/>
               <a:t>Fun fact</a:t>
             </a:r>
-            <a:endParaRPr lang="en-US" dirty="0"/>
           </a:p>
         </p:txBody>
       </p:sp>
@@ -6811,7 +6867,9 @@
         </p:nvSpPr>
         <p:spPr/>
         <p:txBody>
-          <a:bodyPr/>
+          <a:bodyPr>
+            <a:normAutofit/>
+          </a:bodyPr>
           <a:lstStyle/>
           <a:p>
             <a:r>
@@ -6859,6 +6917,20 @@
           </a:p>
           <a:p>
             <a:r>
+              <a:rPr lang="en-US" dirty="0" err="1">
+                <a:sym typeface="Wingdings" pitchFamily="2" charset="2"/>
+              </a:rPr>
+              <a:t>Librefs</a:t>
+            </a:r>
+            <a:r>
+              <a:rPr lang="en-US" dirty="0">
+                <a:sym typeface="Wingdings" pitchFamily="2" charset="2"/>
+              </a:rPr>
+              <a:t> can’t contain the word library</a:t>
+            </a:r>
+          </a:p>
+          <a:p>
+            <a:r>
               <a:rPr lang="en-US" dirty="0"/>
               <a:t>Another way is to set your </a:t>
             </a:r>
@@ -6869,43 +6941,6 @@
             <a:r>
               <a:rPr lang="en-US" dirty="0"/>
               <a:t> statement! </a:t>
-            </a:r>
-          </a:p>
-          <a:p>
-            <a:pPr marL="0" indent="0">
-              <a:buNone/>
-            </a:pPr>
-            <a:r>
-              <a:rPr lang="en-US" dirty="0" err="1">
-                <a:solidFill>
-                  <a:srgbClr val="00B0F0"/>
-                </a:solidFill>
-              </a:rPr>
-              <a:t>libname</a:t>
-            </a:r>
-            <a:r>
-              <a:rPr lang="en-US" dirty="0">
-                <a:solidFill>
-                  <a:srgbClr val="00B0F0"/>
-                </a:solidFill>
-              </a:rPr>
-              <a:t> &lt;</a:t>
-            </a:r>
-            <a:r>
-              <a:rPr lang="en-US" dirty="0" err="1">
-                <a:solidFill>
-                  <a:srgbClr val="00B0F0"/>
-                </a:solidFill>
-              </a:rPr>
-              <a:t>librefname</a:t>
-            </a:r>
-            <a:r>
-              <a:rPr lang="en-US" dirty="0">
-                <a:solidFill>
-                  <a:srgbClr val="00B0F0"/>
-                </a:solidFill>
-              </a:rPr>
-              <a:t>&gt; ‘path’; </a:t>
             </a:r>
           </a:p>
         </p:txBody>
@@ -6952,22 +6987,12 @@
         </p:nvSpPr>
         <p:spPr/>
         <p:txBody>
-          <a:bodyPr>
-            <a:normAutofit fontScale="90000"/>
-          </a:bodyPr>
+          <a:bodyPr/>
           <a:lstStyle/>
           <a:p>
             <a:r>
               <a:rPr lang="en-US" dirty="0"/>
-              <a:t>Viewing Data Sets in </a:t>
-            </a:r>
-            <a:r>
-              <a:rPr lang="en-US" dirty="0" err="1"/>
-              <a:t>Viewtable</a:t>
-            </a:r>
-            <a:r>
-              <a:rPr lang="en-US" dirty="0"/>
-              <a:t> window</a:t>
+              <a:t>Code Example</a:t>
             </a:r>
           </a:p>
         </p:txBody>
@@ -6984,57 +7009,164 @@
         </p:nvSpPr>
         <p:spPr/>
         <p:txBody>
-          <a:bodyPr>
-            <a:normAutofit/>
-          </a:bodyPr>
+          <a:bodyPr/>
           <a:lstStyle/>
           <a:p>
-            <a:r>
-              <a:rPr lang="en-US" dirty="0"/>
-              <a:t>Explorer &gt; Contents window</a:t>
-            </a:r>
-          </a:p>
-          <a:p>
-            <a:r>
-              <a:rPr lang="en-US" dirty="0"/>
-              <a:t>Data sets are represented by table icon</a:t>
-            </a:r>
-          </a:p>
-          <a:p>
-            <a:r>
-              <a:rPr lang="en-US" dirty="0" err="1"/>
-              <a:t>Viewtable</a:t>
-            </a:r>
-            <a:r>
-              <a:rPr lang="en-US" dirty="0"/>
-              <a:t> window (double click dataset)</a:t>
-            </a:r>
-          </a:p>
-          <a:p>
+            <a:pPr marL="0" indent="0">
+              <a:buNone/>
+            </a:pPr>
+            <a:r>
+              <a:rPr lang="en-US" dirty="0"/>
+              <a:t>Pseudocode:</a:t>
+            </a:r>
+            <a:endParaRPr lang="en-US" dirty="0">
+              <a:sym typeface="Wingdings" pitchFamily="2" charset="2"/>
+            </a:endParaRPr>
+          </a:p>
+          <a:p>
+            <a:pPr marL="0" indent="0">
+              <a:buNone/>
+            </a:pPr>
+            <a:r>
+              <a:rPr lang="en-US" dirty="0" err="1">
+                <a:solidFill>
+                  <a:srgbClr val="00B0F0"/>
+                </a:solidFill>
+              </a:rPr>
+              <a:t>libname</a:t>
+            </a:r>
             <a:r>
               <a:rPr lang="en-US" dirty="0">
-                <a:sym typeface="Wingdings" pitchFamily="2" charset="2"/>
+                <a:solidFill>
+                  <a:srgbClr val="00B0F0"/>
+                </a:solidFill>
               </a:rPr>
-              <a:t>Properties window (after right click)</a:t>
-            </a:r>
-          </a:p>
-          <a:p>
-            <a:pPr lvl="1"/>
+              <a:t> </a:t>
+            </a:r>
+            <a:r>
+              <a:rPr lang="en-US" i="1" dirty="0" err="1">
+                <a:solidFill>
+                  <a:srgbClr val="00B0F0"/>
+                </a:solidFill>
+              </a:rPr>
+              <a:t>librefname</a:t>
+            </a:r>
             <a:r>
               <a:rPr lang="en-US" dirty="0">
-                <a:sym typeface="Wingdings" pitchFamily="2" charset="2"/>
+                <a:solidFill>
+                  <a:srgbClr val="00B0F0"/>
+                </a:solidFill>
               </a:rPr>
-              <a:t>General tab</a:t>
-            </a:r>
-          </a:p>
-          <a:p>
-            <a:pPr lvl="1"/>
+              <a:t> ‘C:\path\to\folder’; </a:t>
+            </a:r>
+          </a:p>
+          <a:p>
+            <a:pPr marL="0" indent="0">
+              <a:buNone/>
+            </a:pPr>
+            <a:r>
+              <a:rPr lang="en-US" dirty="0"/>
+              <a:t>Real Code:</a:t>
+            </a:r>
+            <a:endParaRPr lang="en-US" dirty="0">
+              <a:solidFill>
+                <a:srgbClr val="00B0F0"/>
+              </a:solidFill>
+            </a:endParaRPr>
+          </a:p>
+          <a:p>
+            <a:pPr marL="0" indent="0">
+              <a:buNone/>
+            </a:pPr>
             <a:r>
               <a:rPr lang="en-US" dirty="0">
-                <a:sym typeface="Wingdings" pitchFamily="2" charset="2"/>
+                <a:solidFill>
+                  <a:srgbClr val="00B0F0"/>
+                </a:solidFill>
               </a:rPr>
-              <a:t>Columns tab</a:t>
-            </a:r>
+              <a:t>* Actual </a:t>
+            </a:r>
+            <a:r>
+              <a:rPr lang="en-US" dirty="0" err="1">
+                <a:solidFill>
+                  <a:srgbClr val="00B0F0"/>
+                </a:solidFill>
+              </a:rPr>
+              <a:t>libname</a:t>
+            </a:r>
+            <a:r>
+              <a:rPr lang="en-US" dirty="0">
+                <a:solidFill>
+                  <a:srgbClr val="00B0F0"/>
+                </a:solidFill>
+              </a:rPr>
+              <a:t> statement below;</a:t>
+            </a:r>
+          </a:p>
+          <a:p>
+            <a:pPr marL="0" indent="0">
+              <a:buNone/>
+            </a:pPr>
+            <a:r>
+              <a:rPr lang="en-US" dirty="0">
+                <a:solidFill>
+                  <a:srgbClr val="00B0F0"/>
+                </a:solidFill>
+              </a:rPr>
+              <a:t>* This is a comment; </a:t>
+            </a:r>
+          </a:p>
+          <a:p>
+            <a:pPr marL="0" indent="0">
+              <a:buNone/>
+            </a:pPr>
+            <a:r>
+              <a:rPr lang="en-US" dirty="0">
+                <a:solidFill>
+                  <a:srgbClr val="00B0F0"/>
+                </a:solidFill>
+              </a:rPr>
+              <a:t>/* This is a comment code chunk */</a:t>
+            </a:r>
+          </a:p>
+          <a:p>
+            <a:pPr marL="0" indent="0">
+              <a:buNone/>
+            </a:pPr>
+            <a:r>
+              <a:rPr lang="en-US" dirty="0" err="1">
+                <a:solidFill>
+                  <a:srgbClr val="00B0F0"/>
+                </a:solidFill>
+              </a:rPr>
+              <a:t>Libname</a:t>
+            </a:r>
+            <a:r>
+              <a:rPr lang="en-US" dirty="0">
+                <a:solidFill>
+                  <a:srgbClr val="00B0F0"/>
+                </a:solidFill>
+              </a:rPr>
+              <a:t> </a:t>
+            </a:r>
+            <a:r>
+              <a:rPr lang="en-US" dirty="0" err="1">
+                <a:solidFill>
+                  <a:srgbClr val="00B0F0"/>
+                </a:solidFill>
+              </a:rPr>
+              <a:t>mylibref</a:t>
+            </a:r>
+            <a:r>
+              <a:rPr lang="en-US" dirty="0">
+                <a:solidFill>
+                  <a:srgbClr val="00B0F0"/>
+                </a:solidFill>
+              </a:rPr>
+              <a:t> ‘C:\Users\User\Documents’;</a:t>
+            </a:r>
+          </a:p>
+          <a:p>
             <a:endParaRPr lang="en-US" dirty="0"/>
           </a:p>
         </p:txBody>
@@ -7042,7 +7174,7 @@
     </p:spTree>
     <p:extLst>
       <p:ext uri="{BB962C8B-B14F-4D97-AF65-F5344CB8AC3E}">
-        <p14:creationId xmlns:p14="http://schemas.microsoft.com/office/powerpoint/2010/main" val="3248118488"/>
+        <p14:creationId xmlns:p14="http://schemas.microsoft.com/office/powerpoint/2010/main" val="280049154"/>
       </p:ext>
     </p:extLst>
   </p:cSld>
@@ -7081,82 +7213,97 @@
         </p:nvSpPr>
         <p:spPr/>
         <p:txBody>
-          <a:bodyPr/>
-          <a:lstStyle/>
-          <a:p>
-            <a:r>
-              <a:rPr lang="en-US" dirty="0"/>
-              <a:t>Beginner Programming Tips</a:t>
-            </a:r>
-          </a:p>
-        </p:txBody>
-      </p:sp>
-      <p:sp>
-        <p:nvSpPr>
-          <p:cNvPr id="3" name="Content Placeholder 2"/>
-          <p:cNvSpPr>
-            <a:spLocks noGrp="1"/>
-          </p:cNvSpPr>
-          <p:nvPr>
-            <p:ph idx="1"/>
-          </p:nvPr>
-        </p:nvSpPr>
-        <p:spPr/>
-        <p:txBody>
           <a:bodyPr>
-            <a:normAutofit lnSpcReduction="10000"/>
+            <a:normAutofit fontScale="90000"/>
           </a:bodyPr>
           <a:lstStyle/>
           <a:p>
             <a:r>
               <a:rPr lang="en-US" dirty="0"/>
-              <a:t>Start slow.  Write programs in small steps.</a:t>
-            </a:r>
-          </a:p>
-          <a:p>
-            <a:r>
-              <a:rPr lang="en-US" dirty="0"/>
-              <a:t>To improve, you have to put in the time.</a:t>
-            </a:r>
-          </a:p>
-          <a:p>
-            <a:r>
-              <a:rPr lang="en-US" dirty="0"/>
-              <a:t>SAS reads each statements and checks  for errors, so:</a:t>
+              <a:t>Viewing Data Sets in </a:t>
+            </a:r>
+            <a:r>
+              <a:rPr lang="en-US" dirty="0" err="1"/>
+              <a:t>Viewtable</a:t>
+            </a:r>
+            <a:r>
+              <a:rPr lang="en-US" dirty="0"/>
+              <a:t> window</a:t>
+            </a:r>
+          </a:p>
+        </p:txBody>
+      </p:sp>
+      <p:sp>
+        <p:nvSpPr>
+          <p:cNvPr id="3" name="Content Placeholder 2"/>
+          <p:cNvSpPr>
+            <a:spLocks noGrp="1"/>
+          </p:cNvSpPr>
+          <p:nvPr>
+            <p:ph idx="1"/>
+          </p:nvPr>
+        </p:nvSpPr>
+        <p:spPr/>
+        <p:txBody>
+          <a:bodyPr>
+            <a:normAutofit/>
+          </a:bodyPr>
+          <a:lstStyle/>
+          <a:p>
+            <a:r>
+              <a:rPr lang="en-US" dirty="0"/>
+              <a:t>Explorer &gt; Contents window</a:t>
+            </a:r>
+          </a:p>
+          <a:p>
+            <a:r>
+              <a:rPr lang="en-US" dirty="0"/>
+              <a:t>Data sets are represented by table icon</a:t>
+            </a:r>
+          </a:p>
+          <a:p>
+            <a:r>
+              <a:rPr lang="en-US" dirty="0" err="1"/>
+              <a:t>Viewtable</a:t>
+            </a:r>
+            <a:r>
+              <a:rPr lang="en-US" dirty="0"/>
+              <a:t> window (double click dataset)</a:t>
+            </a:r>
+          </a:p>
+          <a:p>
+            <a:r>
+              <a:rPr lang="en-US" dirty="0">
+                <a:sym typeface="Wingdings" pitchFamily="2" charset="2"/>
+              </a:rPr>
+              <a:t>Properties window (after right click)</a:t>
             </a:r>
           </a:p>
           <a:p>
             <a:pPr lvl="1"/>
             <a:r>
-              <a:rPr lang="en-US" dirty="0"/>
-              <a:t>Check the Log window for mistakes.</a:t>
+              <a:rPr lang="en-US" dirty="0">
+                <a:sym typeface="Wingdings" pitchFamily="2" charset="2"/>
+              </a:rPr>
+              <a:t>General tab</a:t>
             </a:r>
           </a:p>
           <a:p>
             <a:pPr lvl="1"/>
             <a:r>
-              <a:rPr lang="en-US" dirty="0"/>
-              <a:t>Check results.</a:t>
-            </a:r>
-          </a:p>
-          <a:p>
-            <a:r>
-              <a:rPr lang="en-US" b="1" dirty="0"/>
-              <a:t>Every SAS statement must end with a semicolon.</a:t>
-            </a:r>
-          </a:p>
-          <a:p>
-            <a:r>
-              <a:rPr lang="en-US" dirty="0"/>
-              <a:t>Take breaks!</a:t>
-            </a:r>
+              <a:rPr lang="en-US" dirty="0">
+                <a:sym typeface="Wingdings" pitchFamily="2" charset="2"/>
+              </a:rPr>
+              <a:t>Columns tab</a:t>
+            </a:r>
+            <a:endParaRPr lang="en-US" dirty="0"/>
           </a:p>
         </p:txBody>
       </p:sp>
     </p:spTree>
     <p:extLst>
       <p:ext uri="{BB962C8B-B14F-4D97-AF65-F5344CB8AC3E}">
-        <p14:creationId xmlns:p14="http://schemas.microsoft.com/office/powerpoint/2010/main" val="2794023541"/>
+        <p14:creationId xmlns:p14="http://schemas.microsoft.com/office/powerpoint/2010/main" val="3248118488"/>
       </p:ext>
     </p:extLst>
   </p:cSld>
@@ -7200,7 +7347,7 @@
           <a:p>
             <a:r>
               <a:rPr lang="en-US" dirty="0"/>
-              <a:t>Proc contents</a:t>
+              <a:t>Beginner Programming Tips</a:t>
             </a:r>
           </a:p>
         </p:txBody>
@@ -7217,71 +7364,60 @@
         </p:nvSpPr>
         <p:spPr/>
         <p:txBody>
-          <a:bodyPr/>
+          <a:bodyPr>
+            <a:normAutofit lnSpcReduction="10000"/>
+          </a:bodyPr>
           <a:lstStyle/>
           <a:p>
             <a:r>
               <a:rPr lang="en-US" dirty="0"/>
-              <a:t>Proc Contents is a simple procedure for getting a description of a data set.</a:t>
-            </a:r>
-          </a:p>
-          <a:p>
-            <a:pPr marL="0" indent="0">
-              <a:buNone/>
-            </a:pPr>
-            <a:r>
-              <a:rPr lang="en-US" dirty="0">
-                <a:solidFill>
-                  <a:srgbClr val="00B0F0"/>
-                </a:solidFill>
-              </a:rPr>
-              <a:t>PROC CONTENTS DATA =  </a:t>
-            </a:r>
-            <a:r>
-              <a:rPr lang="en-US" i="1" dirty="0">
-                <a:solidFill>
-                  <a:srgbClr val="00B0F0"/>
-                </a:solidFill>
-              </a:rPr>
-              <a:t>data</a:t>
-            </a:r>
-            <a:r>
-              <a:rPr lang="en-US" dirty="0">
-                <a:solidFill>
-                  <a:srgbClr val="00B0F0"/>
-                </a:solidFill>
-              </a:rPr>
-              <a:t>;</a:t>
-            </a:r>
-          </a:p>
-          <a:p>
-            <a:pPr marL="0" indent="0">
-              <a:buNone/>
-            </a:pPr>
-            <a:r>
-              <a:rPr lang="en-US" dirty="0">
-                <a:solidFill>
-                  <a:srgbClr val="00B0F0"/>
-                </a:solidFill>
-              </a:rPr>
-              <a:t>Run;</a:t>
-            </a:r>
-          </a:p>
-          <a:p>
-            <a:r>
-              <a:rPr lang="en-US" dirty="0"/>
-              <a:t>The output of Proc Contents is like a table of contents for your data set.</a:t>
-            </a:r>
-          </a:p>
-          <a:p>
-            <a:endParaRPr lang="en-US" dirty="0"/>
+              <a:t>Start slow.  Write programs in small steps.</a:t>
+            </a:r>
+          </a:p>
+          <a:p>
+            <a:r>
+              <a:rPr lang="en-US" dirty="0"/>
+              <a:t>To improve, you have to put in the time.</a:t>
+            </a:r>
+          </a:p>
+          <a:p>
+            <a:r>
+              <a:rPr lang="en-US" dirty="0"/>
+              <a:t>SAS reads each statements and checks  for errors, so:</a:t>
+            </a:r>
+          </a:p>
+          <a:p>
+            <a:pPr lvl="1"/>
+            <a:r>
+              <a:rPr lang="en-US" dirty="0"/>
+              <a:t>Check the Log window for mistakes.</a:t>
+            </a:r>
+          </a:p>
+          <a:p>
+            <a:pPr lvl="1"/>
+            <a:r>
+              <a:rPr lang="en-US" dirty="0"/>
+              <a:t>Check results.</a:t>
+            </a:r>
+          </a:p>
+          <a:p>
+            <a:r>
+              <a:rPr lang="en-US" b="1" dirty="0"/>
+              <a:t>Every SAS statement must end with a semicolon.</a:t>
+            </a:r>
+          </a:p>
+          <a:p>
+            <a:r>
+              <a:rPr lang="en-US" dirty="0"/>
+              <a:t>Take breaks!</a:t>
+            </a:r>
           </a:p>
         </p:txBody>
       </p:sp>
     </p:spTree>
     <p:extLst>
       <p:ext uri="{BB962C8B-B14F-4D97-AF65-F5344CB8AC3E}">
-        <p14:creationId xmlns:p14="http://schemas.microsoft.com/office/powerpoint/2010/main" val="4082619115"/>
+        <p14:creationId xmlns:p14="http://schemas.microsoft.com/office/powerpoint/2010/main" val="2794023541"/>
       </p:ext>
     </p:extLst>
   </p:cSld>
@@ -7320,6 +7456,376 @@
         </p:nvSpPr>
         <p:spPr/>
         <p:txBody>
+          <a:bodyPr/>
+          <a:lstStyle/>
+          <a:p>
+            <a:r>
+              <a:rPr lang="en-US" dirty="0"/>
+              <a:t>DATA step and working dataset</a:t>
+            </a:r>
+          </a:p>
+        </p:txBody>
+      </p:sp>
+      <p:sp>
+        <p:nvSpPr>
+          <p:cNvPr id="3" name="Content Placeholder 2"/>
+          <p:cNvSpPr>
+            <a:spLocks noGrp="1"/>
+          </p:cNvSpPr>
+          <p:nvPr>
+            <p:ph idx="1"/>
+          </p:nvPr>
+        </p:nvSpPr>
+        <p:spPr/>
+        <p:txBody>
+          <a:bodyPr/>
+          <a:lstStyle/>
+          <a:p>
+            <a:pPr marL="0" indent="0">
+              <a:buNone/>
+            </a:pPr>
+            <a:r>
+              <a:rPr lang="en-US" dirty="0">
+                <a:solidFill>
+                  <a:srgbClr val="00B0F0"/>
+                </a:solidFill>
+              </a:rPr>
+              <a:t>Data </a:t>
+            </a:r>
+            <a:r>
+              <a:rPr lang="en-US" dirty="0" err="1">
+                <a:solidFill>
+                  <a:srgbClr val="00B0F0"/>
+                </a:solidFill>
+              </a:rPr>
+              <a:t>work.temp</a:t>
+            </a:r>
+            <a:r>
+              <a:rPr lang="en-US" dirty="0">
+                <a:solidFill>
+                  <a:srgbClr val="00B0F0"/>
+                </a:solidFill>
+              </a:rPr>
+              <a:t>; </a:t>
+            </a:r>
+          </a:p>
+          <a:p>
+            <a:pPr marL="0" indent="0">
+              <a:buNone/>
+            </a:pPr>
+            <a:r>
+              <a:rPr lang="en-US" dirty="0">
+                <a:solidFill>
+                  <a:srgbClr val="00B0F0"/>
+                </a:solidFill>
+              </a:rPr>
+              <a:t>Set </a:t>
+            </a:r>
+            <a:r>
+              <a:rPr lang="en-US" dirty="0" err="1">
+                <a:solidFill>
+                  <a:srgbClr val="00B0F0"/>
+                </a:solidFill>
+              </a:rPr>
+              <a:t>mylibref.</a:t>
+            </a:r>
+            <a:r>
+              <a:rPr lang="en-US" i="1" dirty="0" err="1">
+                <a:solidFill>
+                  <a:srgbClr val="00B0F0"/>
+                </a:solidFill>
+              </a:rPr>
+              <a:t>datasetname</a:t>
+            </a:r>
+            <a:r>
+              <a:rPr lang="en-US" dirty="0">
+                <a:solidFill>
+                  <a:srgbClr val="00B0F0"/>
+                </a:solidFill>
+              </a:rPr>
+              <a:t>; </a:t>
+            </a:r>
+          </a:p>
+          <a:p>
+            <a:pPr marL="0" indent="0">
+              <a:buNone/>
+            </a:pPr>
+            <a:r>
+              <a:rPr lang="en-US" dirty="0">
+                <a:solidFill>
+                  <a:srgbClr val="00B0F0"/>
+                </a:solidFill>
+              </a:rPr>
+              <a:t>Run; </a:t>
+            </a:r>
+          </a:p>
+          <a:p>
+            <a:pPr marL="0" indent="0">
+              <a:buNone/>
+            </a:pPr>
+            <a:r>
+              <a:rPr lang="en-US" b="1" dirty="0"/>
+              <a:t>Equivalent to</a:t>
+            </a:r>
+            <a:r>
+              <a:rPr lang="en-US" dirty="0"/>
+              <a:t>: </a:t>
+            </a:r>
+          </a:p>
+          <a:p>
+            <a:pPr marL="0" indent="0">
+              <a:buNone/>
+            </a:pPr>
+            <a:r>
+              <a:rPr lang="en-US" dirty="0">
+                <a:solidFill>
+                  <a:srgbClr val="00B0F0"/>
+                </a:solidFill>
+              </a:rPr>
+              <a:t>Data temp; </a:t>
+            </a:r>
+          </a:p>
+          <a:p>
+            <a:pPr marL="0" indent="0">
+              <a:buNone/>
+            </a:pPr>
+            <a:r>
+              <a:rPr lang="en-US" dirty="0">
+                <a:solidFill>
+                  <a:srgbClr val="00B0F0"/>
+                </a:solidFill>
+              </a:rPr>
+              <a:t>Set </a:t>
+            </a:r>
+            <a:r>
+              <a:rPr lang="en-US" dirty="0" err="1">
+                <a:solidFill>
+                  <a:srgbClr val="00B0F0"/>
+                </a:solidFill>
+              </a:rPr>
+              <a:t>mylibref.</a:t>
+            </a:r>
+            <a:r>
+              <a:rPr lang="en-US" i="1" dirty="0" err="1">
+                <a:solidFill>
+                  <a:srgbClr val="00B0F0"/>
+                </a:solidFill>
+              </a:rPr>
+              <a:t>datasetname</a:t>
+            </a:r>
+            <a:r>
+              <a:rPr lang="en-US" dirty="0">
+                <a:solidFill>
+                  <a:srgbClr val="00B0F0"/>
+                </a:solidFill>
+              </a:rPr>
+              <a:t>; </a:t>
+            </a:r>
+          </a:p>
+          <a:p>
+            <a:pPr marL="0" indent="0">
+              <a:buNone/>
+            </a:pPr>
+            <a:r>
+              <a:rPr lang="en-US" dirty="0">
+                <a:solidFill>
+                  <a:srgbClr val="00B0F0"/>
+                </a:solidFill>
+              </a:rPr>
+              <a:t>Run; </a:t>
+            </a:r>
+          </a:p>
+          <a:p>
+            <a:pPr marL="0" indent="0">
+              <a:buNone/>
+            </a:pPr>
+            <a:endParaRPr lang="en-US" dirty="0"/>
+          </a:p>
+        </p:txBody>
+      </p:sp>
+    </p:spTree>
+    <p:extLst>
+      <p:ext uri="{BB962C8B-B14F-4D97-AF65-F5344CB8AC3E}">
+        <p14:creationId xmlns:p14="http://schemas.microsoft.com/office/powerpoint/2010/main" val="334522975"/>
+      </p:ext>
+    </p:extLst>
+  </p:cSld>
+  <p:clrMapOvr>
+    <a:masterClrMapping/>
+  </p:clrMapOvr>
+</p:sld>
+</file>
+
+<file path=ppt/slides/slide27.xml><?xml version="1.0" encoding="utf-8"?>
+<p:sld xmlns:a="http://schemas.openxmlformats.org/drawingml/2006/main" xmlns:r="http://schemas.openxmlformats.org/officeDocument/2006/relationships" xmlns:p="http://schemas.openxmlformats.org/presentationml/2006/main">
+  <p:cSld>
+    <p:spTree>
+      <p:nvGrpSpPr>
+        <p:cNvPr id="1" name=""/>
+        <p:cNvGrpSpPr/>
+        <p:nvPr/>
+      </p:nvGrpSpPr>
+      <p:grpSpPr>
+        <a:xfrm>
+          <a:off x="0" y="0"/>
+          <a:ext cx="0" cy="0"/>
+          <a:chOff x="0" y="0"/>
+          <a:chExt cx="0" cy="0"/>
+        </a:xfrm>
+      </p:grpSpPr>
+      <p:sp>
+        <p:nvSpPr>
+          <p:cNvPr id="2" name="Title 1"/>
+          <p:cNvSpPr>
+            <a:spLocks noGrp="1"/>
+          </p:cNvSpPr>
+          <p:nvPr>
+            <p:ph type="title"/>
+          </p:nvPr>
+        </p:nvSpPr>
+        <p:spPr/>
+        <p:txBody>
+          <a:bodyPr/>
+          <a:lstStyle/>
+          <a:p>
+            <a:r>
+              <a:rPr lang="en-US" dirty="0"/>
+              <a:t>Proc contents</a:t>
+            </a:r>
+          </a:p>
+        </p:txBody>
+      </p:sp>
+      <p:sp>
+        <p:nvSpPr>
+          <p:cNvPr id="3" name="Content Placeholder 2"/>
+          <p:cNvSpPr>
+            <a:spLocks noGrp="1"/>
+          </p:cNvSpPr>
+          <p:nvPr>
+            <p:ph idx="1"/>
+          </p:nvPr>
+        </p:nvSpPr>
+        <p:spPr>
+          <a:xfrm>
+            <a:off x="457200" y="1143000"/>
+            <a:ext cx="8229600" cy="5562599"/>
+          </a:xfrm>
+        </p:spPr>
+        <p:txBody>
+          <a:bodyPr>
+            <a:normAutofit/>
+          </a:bodyPr>
+          <a:lstStyle/>
+          <a:p>
+            <a:r>
+              <a:rPr lang="en-US" dirty="0"/>
+              <a:t>Proc Contents is a simple procedure for getting a description of a data set.</a:t>
+            </a:r>
+          </a:p>
+          <a:p>
+            <a:r>
+              <a:rPr lang="en-US" dirty="0"/>
+              <a:t>The output of Proc Contents is like a table of contents for your data set.</a:t>
+            </a:r>
+          </a:p>
+          <a:p>
+            <a:pPr marL="0" indent="0">
+              <a:buNone/>
+            </a:pPr>
+            <a:r>
+              <a:rPr lang="en-US" dirty="0">
+                <a:solidFill>
+                  <a:srgbClr val="00B0F0"/>
+                </a:solidFill>
+              </a:rPr>
+              <a:t>PROC CONTENTS DATA = </a:t>
+            </a:r>
+            <a:r>
+              <a:rPr lang="en-US" i="1" dirty="0" err="1">
+                <a:solidFill>
+                  <a:srgbClr val="00B0F0"/>
+                </a:solidFill>
+              </a:rPr>
+              <a:t>datasetname</a:t>
+            </a:r>
+            <a:r>
+              <a:rPr lang="en-US" dirty="0">
+                <a:solidFill>
+                  <a:srgbClr val="00B0F0"/>
+                </a:solidFill>
+              </a:rPr>
+              <a:t>;</a:t>
+            </a:r>
+          </a:p>
+          <a:p>
+            <a:pPr marL="0" indent="0">
+              <a:buNone/>
+            </a:pPr>
+            <a:r>
+              <a:rPr lang="en-US" dirty="0">
+                <a:solidFill>
+                  <a:srgbClr val="00B0F0"/>
+                </a:solidFill>
+              </a:rPr>
+              <a:t>Run; </a:t>
+            </a:r>
+          </a:p>
+          <a:p>
+            <a:r>
+              <a:rPr lang="en-US" dirty="0"/>
+              <a:t>Dataset is usually your working dataset</a:t>
+            </a:r>
+          </a:p>
+          <a:p>
+            <a:pPr marL="0" indent="0">
+              <a:buNone/>
+            </a:pPr>
+            <a:endParaRPr lang="en-US" dirty="0"/>
+          </a:p>
+        </p:txBody>
+      </p:sp>
+    </p:spTree>
+    <p:extLst>
+      <p:ext uri="{BB962C8B-B14F-4D97-AF65-F5344CB8AC3E}">
+        <p14:creationId xmlns:p14="http://schemas.microsoft.com/office/powerpoint/2010/main" val="4082619115"/>
+      </p:ext>
+    </p:extLst>
+  </p:cSld>
+  <p:clrMapOvr>
+    <a:masterClrMapping/>
+  </p:clrMapOvr>
+</p:sld>
+</file>
+
+<file path=ppt/slides/slide28.xml><?xml version="1.0" encoding="utf-8"?>
+<p:sld xmlns:a="http://schemas.openxmlformats.org/drawingml/2006/main" xmlns:r="http://schemas.openxmlformats.org/officeDocument/2006/relationships" xmlns:p="http://schemas.openxmlformats.org/presentationml/2006/main">
+  <p:cSld>
+    <p:spTree>
+      <p:nvGrpSpPr>
+        <p:cNvPr id="1" name=""/>
+        <p:cNvGrpSpPr/>
+        <p:nvPr/>
+      </p:nvGrpSpPr>
+      <p:grpSpPr>
+        <a:xfrm>
+          <a:off x="0" y="0"/>
+          <a:ext cx="0" cy="0"/>
+          <a:chOff x="0" y="0"/>
+          <a:chExt cx="0" cy="0"/>
+        </a:xfrm>
+      </p:grpSpPr>
+      <p:sp>
+        <p:nvSpPr>
+          <p:cNvPr id="2" name="Title 1"/>
+          <p:cNvSpPr>
+            <a:spLocks noGrp="1"/>
+          </p:cNvSpPr>
+          <p:nvPr>
+            <p:ph type="title"/>
+          </p:nvPr>
+        </p:nvSpPr>
+        <p:spPr/>
+        <p:txBody>
           <a:bodyPr>
             <a:normAutofit/>
           </a:bodyPr>
@@ -7397,7 +7903,7 @@
 </p:sld>
 </file>
 
-<file path=ppt/slides/slide27.xml><?xml version="1.0" encoding="utf-8"?>
+<file path=ppt/slides/slide29.xml><?xml version="1.0" encoding="utf-8"?>
 <p:sld xmlns:a="http://schemas.openxmlformats.org/drawingml/2006/main" xmlns:r="http://schemas.openxmlformats.org/officeDocument/2006/relationships" xmlns:p="http://schemas.openxmlformats.org/presentationml/2006/main">
   <p:cSld>
     <p:spTree>
@@ -7572,13 +8078,6 @@
   <p:clrMapOvr>
     <a:masterClrMapping/>
   </p:clrMapOvr>
-  <p:timing>
-    <p:tnLst>
-      <p:par>
-        <p:cTn id="1" dur="indefinite" restart="never" nodeType="tmRoot"/>
-      </p:par>
-    </p:tnLst>
-  </p:timing>
 </p:sld>
 </file>
 
@@ -7764,21 +8263,21 @@
                 <a:gridCol w="1897380">
                   <a:extLst>
                     <a:ext uri="{9D8B030D-6E8A-4147-A177-3AD203B41FA5}">
-                      <a16:colId xmlns:a16="http://schemas.microsoft.com/office/drawing/2014/main" xmlns="" val="20000"/>
+                      <a16:colId xmlns:a16="http://schemas.microsoft.com/office/drawing/2014/main" val="20000"/>
                     </a:ext>
                   </a:extLst>
                 </a:gridCol>
                 <a:gridCol w="2514600">
                   <a:extLst>
                     <a:ext uri="{9D8B030D-6E8A-4147-A177-3AD203B41FA5}">
-                      <a16:colId xmlns:a16="http://schemas.microsoft.com/office/drawing/2014/main" xmlns="" val="20001"/>
+                      <a16:colId xmlns:a16="http://schemas.microsoft.com/office/drawing/2014/main" val="20001"/>
                     </a:ext>
                   </a:extLst>
                 </a:gridCol>
                 <a:gridCol w="1600200">
                   <a:extLst>
                     <a:ext uri="{9D8B030D-6E8A-4147-A177-3AD203B41FA5}">
-                      <a16:colId xmlns:a16="http://schemas.microsoft.com/office/drawing/2014/main" xmlns="" val="20002"/>
+                      <a16:colId xmlns:a16="http://schemas.microsoft.com/office/drawing/2014/main" val="20002"/>
                     </a:ext>
                   </a:extLst>
                 </a:gridCol>
@@ -8088,7 +8587,7 @@
                 </a:tc>
                 <a:extLst>
                   <a:ext uri="{0D108BD9-81ED-4DB2-BD59-A6C34878D82A}">
-                    <a16:rowId xmlns:a16="http://schemas.microsoft.com/office/drawing/2014/main" xmlns="" val="10000"/>
+                    <a16:rowId xmlns:a16="http://schemas.microsoft.com/office/drawing/2014/main" val="10000"/>
                   </a:ext>
                 </a:extLst>
               </a:tr>
@@ -8504,7 +9003,7 @@
                 </a:tc>
                 <a:extLst>
                   <a:ext uri="{0D108BD9-81ED-4DB2-BD59-A6C34878D82A}">
-                    <a16:rowId xmlns:a16="http://schemas.microsoft.com/office/drawing/2014/main" xmlns="" val="10001"/>
+                    <a16:rowId xmlns:a16="http://schemas.microsoft.com/office/drawing/2014/main" val="10001"/>
                   </a:ext>
                 </a:extLst>
               </a:tr>
@@ -8591,21 +9090,21 @@
                 <a:gridCol w="1897380">
                   <a:extLst>
                     <a:ext uri="{9D8B030D-6E8A-4147-A177-3AD203B41FA5}">
-                      <a16:colId xmlns:a16="http://schemas.microsoft.com/office/drawing/2014/main" xmlns="" val="20000"/>
+                      <a16:colId xmlns:a16="http://schemas.microsoft.com/office/drawing/2014/main" val="20000"/>
                     </a:ext>
                   </a:extLst>
                 </a:gridCol>
                 <a:gridCol w="2514600">
                   <a:extLst>
                     <a:ext uri="{9D8B030D-6E8A-4147-A177-3AD203B41FA5}">
-                      <a16:colId xmlns:a16="http://schemas.microsoft.com/office/drawing/2014/main" xmlns="" val="20001"/>
+                      <a16:colId xmlns:a16="http://schemas.microsoft.com/office/drawing/2014/main" val="20001"/>
                     </a:ext>
                   </a:extLst>
                 </a:gridCol>
                 <a:gridCol w="1600200">
                   <a:extLst>
                     <a:ext uri="{9D8B030D-6E8A-4147-A177-3AD203B41FA5}">
-                      <a16:colId xmlns:a16="http://schemas.microsoft.com/office/drawing/2014/main" xmlns="" val="20002"/>
+                      <a16:colId xmlns:a16="http://schemas.microsoft.com/office/drawing/2014/main" val="20002"/>
                     </a:ext>
                   </a:extLst>
                 </a:gridCol>
@@ -8991,7 +9490,7 @@
                 </a:tc>
                 <a:extLst>
                   <a:ext uri="{0D108BD9-81ED-4DB2-BD59-A6C34878D82A}">
-                    <a16:rowId xmlns:a16="http://schemas.microsoft.com/office/drawing/2014/main" xmlns="" val="10000"/>
+                    <a16:rowId xmlns:a16="http://schemas.microsoft.com/office/drawing/2014/main" val="10000"/>
                   </a:ext>
                 </a:extLst>
               </a:tr>
@@ -9276,7 +9775,7 @@
                 </a:tc>
                 <a:extLst>
                   <a:ext uri="{0D108BD9-81ED-4DB2-BD59-A6C34878D82A}">
-                    <a16:rowId xmlns:a16="http://schemas.microsoft.com/office/drawing/2014/main" xmlns="" val="10001"/>
+                    <a16:rowId xmlns:a16="http://schemas.microsoft.com/office/drawing/2014/main" val="10001"/>
                   </a:ext>
                 </a:extLst>
               </a:tr>
@@ -9363,21 +9862,21 @@
                 <a:gridCol w="1873332">
                   <a:extLst>
                     <a:ext uri="{9D8B030D-6E8A-4147-A177-3AD203B41FA5}">
-                      <a16:colId xmlns:a16="http://schemas.microsoft.com/office/drawing/2014/main" xmlns="" val="20000"/>
+                      <a16:colId xmlns:a16="http://schemas.microsoft.com/office/drawing/2014/main" val="20000"/>
                     </a:ext>
                   </a:extLst>
                 </a:gridCol>
                 <a:gridCol w="2482729">
                   <a:extLst>
                     <a:ext uri="{9D8B030D-6E8A-4147-A177-3AD203B41FA5}">
-                      <a16:colId xmlns:a16="http://schemas.microsoft.com/office/drawing/2014/main" xmlns="" val="20001"/>
+                      <a16:colId xmlns:a16="http://schemas.microsoft.com/office/drawing/2014/main" val="20001"/>
                     </a:ext>
                   </a:extLst>
                 </a:gridCol>
                 <a:gridCol w="1579919">
                   <a:extLst>
                     <a:ext uri="{9D8B030D-6E8A-4147-A177-3AD203B41FA5}">
-                      <a16:colId xmlns:a16="http://schemas.microsoft.com/office/drawing/2014/main" xmlns="" val="20002"/>
+                      <a16:colId xmlns:a16="http://schemas.microsoft.com/office/drawing/2014/main" val="20002"/>
                     </a:ext>
                   </a:extLst>
                 </a:gridCol>
@@ -9947,7 +10446,7 @@
                 </a:tc>
                 <a:extLst>
                   <a:ext uri="{0D108BD9-81ED-4DB2-BD59-A6C34878D82A}">
-                    <a16:rowId xmlns:a16="http://schemas.microsoft.com/office/drawing/2014/main" xmlns="" val="10000"/>
+                    <a16:rowId xmlns:a16="http://schemas.microsoft.com/office/drawing/2014/main" val="10000"/>
                   </a:ext>
                 </a:extLst>
               </a:tr>
@@ -10217,7 +10716,7 @@
                 </a:tc>
                 <a:extLst>
                   <a:ext uri="{0D108BD9-81ED-4DB2-BD59-A6C34878D82A}">
-                    <a16:rowId xmlns:a16="http://schemas.microsoft.com/office/drawing/2014/main" xmlns="" val="10001"/>
+                    <a16:rowId xmlns:a16="http://schemas.microsoft.com/office/drawing/2014/main" val="10001"/>
                   </a:ext>
                 </a:extLst>
               </a:tr>
@@ -10304,21 +10803,21 @@
                 <a:gridCol w="1897380">
                   <a:extLst>
                     <a:ext uri="{9D8B030D-6E8A-4147-A177-3AD203B41FA5}">
-                      <a16:colId xmlns:a16="http://schemas.microsoft.com/office/drawing/2014/main" xmlns="" val="20000"/>
+                      <a16:colId xmlns:a16="http://schemas.microsoft.com/office/drawing/2014/main" val="20000"/>
                     </a:ext>
                   </a:extLst>
                 </a:gridCol>
                 <a:gridCol w="2514600">
                   <a:extLst>
                     <a:ext uri="{9D8B030D-6E8A-4147-A177-3AD203B41FA5}">
-                      <a16:colId xmlns:a16="http://schemas.microsoft.com/office/drawing/2014/main" xmlns="" val="20001"/>
+                      <a16:colId xmlns:a16="http://schemas.microsoft.com/office/drawing/2014/main" val="20001"/>
                     </a:ext>
                   </a:extLst>
                 </a:gridCol>
                 <a:gridCol w="1600200">
                   <a:extLst>
                     <a:ext uri="{9D8B030D-6E8A-4147-A177-3AD203B41FA5}">
-                      <a16:colId xmlns:a16="http://schemas.microsoft.com/office/drawing/2014/main" xmlns="" val="20002"/>
+                      <a16:colId xmlns:a16="http://schemas.microsoft.com/office/drawing/2014/main" val="20002"/>
                     </a:ext>
                   </a:extLst>
                 </a:gridCol>
@@ -10665,7 +11164,7 @@
                 </a:tc>
                 <a:extLst>
                   <a:ext uri="{0D108BD9-81ED-4DB2-BD59-A6C34878D82A}">
-                    <a16:rowId xmlns:a16="http://schemas.microsoft.com/office/drawing/2014/main" xmlns="" val="10000"/>
+                    <a16:rowId xmlns:a16="http://schemas.microsoft.com/office/drawing/2014/main" val="10000"/>
                   </a:ext>
                 </a:extLst>
               </a:tr>
@@ -10982,7 +11481,7 @@
                 </a:tc>
                 <a:extLst>
                   <a:ext uri="{0D108BD9-81ED-4DB2-BD59-A6C34878D82A}">
-                    <a16:rowId xmlns:a16="http://schemas.microsoft.com/office/drawing/2014/main" xmlns="" val="10001"/>
+                    <a16:rowId xmlns:a16="http://schemas.microsoft.com/office/drawing/2014/main" val="10001"/>
                   </a:ext>
                 </a:extLst>
               </a:tr>

--- a/Session1/session1_MRamos.pptx
+++ b/Session1/session1_MRamos.pptx
@@ -137,7 +137,7 @@
   </p:defaultTextStyle>
   <p:extLst>
     <p:ext uri="{EFAFB233-063F-42B5-8137-9DF3F51BA10A}">
-      <p15:sldGuideLst xmlns:p15="http://schemas.microsoft.com/office/powerpoint/2012/main">
+      <p15:sldGuideLst xmlns:p15="http://schemas.microsoft.com/office/powerpoint/2012/main" xmlns="">
         <p15:guide id="1" orient="horz" pos="2160">
           <p15:clr>
             <a:srgbClr val="A4A3A4"/>
@@ -236,7 +236,7 @@
           <a:p>
             <a:fld id="{978D9229-E041-46E9-A133-A4A9343D5C9E}" type="datetimeFigureOut">
               <a:rPr lang="en-US" smtClean="0"/>
-              <a:t>7/19/2016</a:t>
+              <a:t>7/21/2016</a:t>
             </a:fld>
             <a:endParaRPr lang="en-US"/>
           </a:p>
@@ -856,7 +856,7 @@
           <a:p>
             <a:fld id="{542AE899-5251-4811-BE95-EE8790C08E87}" type="datetimeFigureOut">
               <a:rPr lang="en-US" smtClean="0"/>
-              <a:t>7/19/2016</a:t>
+              <a:t>7/21/2016</a:t>
             </a:fld>
             <a:endParaRPr lang="en-US"/>
           </a:p>
@@ -1024,7 +1024,7 @@
           <a:p>
             <a:fld id="{542AE899-5251-4811-BE95-EE8790C08E87}" type="datetimeFigureOut">
               <a:rPr lang="en-US" smtClean="0"/>
-              <a:t>7/19/2016</a:t>
+              <a:t>7/21/2016</a:t>
             </a:fld>
             <a:endParaRPr lang="en-US"/>
           </a:p>
@@ -1202,7 +1202,7 @@
           <a:p>
             <a:fld id="{542AE899-5251-4811-BE95-EE8790C08E87}" type="datetimeFigureOut">
               <a:rPr lang="en-US" smtClean="0"/>
-              <a:t>7/19/2016</a:t>
+              <a:t>7/21/2016</a:t>
             </a:fld>
             <a:endParaRPr lang="en-US"/>
           </a:p>
@@ -1370,7 +1370,7 @@
           <a:p>
             <a:fld id="{542AE899-5251-4811-BE95-EE8790C08E87}" type="datetimeFigureOut">
               <a:rPr lang="en-US" smtClean="0"/>
-              <a:t>7/19/2016</a:t>
+              <a:t>7/21/2016</a:t>
             </a:fld>
             <a:endParaRPr lang="en-US"/>
           </a:p>
@@ -1615,7 +1615,7 @@
           <a:p>
             <a:fld id="{542AE899-5251-4811-BE95-EE8790C08E87}" type="datetimeFigureOut">
               <a:rPr lang="en-US" smtClean="0"/>
-              <a:t>7/19/2016</a:t>
+              <a:t>7/21/2016</a:t>
             </a:fld>
             <a:endParaRPr lang="en-US"/>
           </a:p>
@@ -1900,7 +1900,7 @@
           <a:p>
             <a:fld id="{542AE899-5251-4811-BE95-EE8790C08E87}" type="datetimeFigureOut">
               <a:rPr lang="en-US" smtClean="0"/>
-              <a:t>7/19/2016</a:t>
+              <a:t>7/21/2016</a:t>
             </a:fld>
             <a:endParaRPr lang="en-US"/>
           </a:p>
@@ -2319,7 +2319,7 @@
           <a:p>
             <a:fld id="{542AE899-5251-4811-BE95-EE8790C08E87}" type="datetimeFigureOut">
               <a:rPr lang="en-US" smtClean="0"/>
-              <a:t>7/19/2016</a:t>
+              <a:t>7/21/2016</a:t>
             </a:fld>
             <a:endParaRPr lang="en-US"/>
           </a:p>
@@ -2436,7 +2436,7 @@
           <a:p>
             <a:fld id="{542AE899-5251-4811-BE95-EE8790C08E87}" type="datetimeFigureOut">
               <a:rPr lang="en-US" smtClean="0"/>
-              <a:t>7/19/2016</a:t>
+              <a:t>7/21/2016</a:t>
             </a:fld>
             <a:endParaRPr lang="en-US"/>
           </a:p>
@@ -2531,7 +2531,7 @@
           <a:p>
             <a:fld id="{542AE899-5251-4811-BE95-EE8790C08E87}" type="datetimeFigureOut">
               <a:rPr lang="en-US" smtClean="0"/>
-              <a:t>7/19/2016</a:t>
+              <a:t>7/21/2016</a:t>
             </a:fld>
             <a:endParaRPr lang="en-US"/>
           </a:p>
@@ -2806,7 +2806,7 @@
           <a:p>
             <a:fld id="{542AE899-5251-4811-BE95-EE8790C08E87}" type="datetimeFigureOut">
               <a:rPr lang="en-US" smtClean="0"/>
-              <a:t>7/19/2016</a:t>
+              <a:t>7/21/2016</a:t>
             </a:fld>
             <a:endParaRPr lang="en-US"/>
           </a:p>
@@ -3058,7 +3058,7 @@
           <a:p>
             <a:fld id="{542AE899-5251-4811-BE95-EE8790C08E87}" type="datetimeFigureOut">
               <a:rPr lang="en-US" smtClean="0"/>
-              <a:t>7/19/2016</a:t>
+              <a:t>7/21/2016</a:t>
             </a:fld>
             <a:endParaRPr lang="en-US"/>
           </a:p>
@@ -3269,7 +3269,7 @@
           <a:p>
             <a:fld id="{542AE899-5251-4811-BE95-EE8790C08E87}" type="datetimeFigureOut">
               <a:rPr lang="en-US" smtClean="0"/>
-              <a:t>7/19/2016</a:t>
+              <a:t>7/21/2016</a:t>
             </a:fld>
             <a:endParaRPr lang="en-US"/>
           </a:p>
@@ -4770,35 +4770,35 @@
                 <a:gridCol w="1432560">
                   <a:extLst>
                     <a:ext uri="{9D8B030D-6E8A-4147-A177-3AD203B41FA5}">
-                      <a16:colId xmlns:a16="http://schemas.microsoft.com/office/drawing/2014/main" val="20000"/>
+                      <a16:colId xmlns:a16="http://schemas.microsoft.com/office/drawing/2014/main" xmlns="" val="20000"/>
                     </a:ext>
                   </a:extLst>
                 </a:gridCol>
                 <a:gridCol w="1432560">
                   <a:extLst>
                     <a:ext uri="{9D8B030D-6E8A-4147-A177-3AD203B41FA5}">
-                      <a16:colId xmlns:a16="http://schemas.microsoft.com/office/drawing/2014/main" val="20001"/>
+                      <a16:colId xmlns:a16="http://schemas.microsoft.com/office/drawing/2014/main" xmlns="" val="20001"/>
                     </a:ext>
                   </a:extLst>
                 </a:gridCol>
                 <a:gridCol w="1432560">
                   <a:extLst>
                     <a:ext uri="{9D8B030D-6E8A-4147-A177-3AD203B41FA5}">
-                      <a16:colId xmlns:a16="http://schemas.microsoft.com/office/drawing/2014/main" val="20002"/>
+                      <a16:colId xmlns:a16="http://schemas.microsoft.com/office/drawing/2014/main" xmlns="" val="20002"/>
                     </a:ext>
                   </a:extLst>
                 </a:gridCol>
                 <a:gridCol w="1432560">
                   <a:extLst>
                     <a:ext uri="{9D8B030D-6E8A-4147-A177-3AD203B41FA5}">
-                      <a16:colId xmlns:a16="http://schemas.microsoft.com/office/drawing/2014/main" val="20003"/>
+                      <a16:colId xmlns:a16="http://schemas.microsoft.com/office/drawing/2014/main" xmlns="" val="20003"/>
                     </a:ext>
                   </a:extLst>
                 </a:gridCol>
                 <a:gridCol w="1432560">
                   <a:extLst>
                     <a:ext uri="{9D8B030D-6E8A-4147-A177-3AD203B41FA5}">
-                      <a16:colId xmlns:a16="http://schemas.microsoft.com/office/drawing/2014/main" val="20004"/>
+                      <a16:colId xmlns:a16="http://schemas.microsoft.com/office/drawing/2014/main" xmlns="" val="20004"/>
                     </a:ext>
                   </a:extLst>
                 </a:gridCol>
@@ -5006,7 +5006,7 @@
                 </a:tc>
                 <a:extLst>
                   <a:ext uri="{0D108BD9-81ED-4DB2-BD59-A6C34878D82A}">
-                    <a16:rowId xmlns:a16="http://schemas.microsoft.com/office/drawing/2014/main" val="10000"/>
+                    <a16:rowId xmlns:a16="http://schemas.microsoft.com/office/drawing/2014/main" xmlns="" val="10000"/>
                   </a:ext>
                 </a:extLst>
               </a:tr>
@@ -5160,7 +5160,7 @@
                 </a:tc>
                 <a:extLst>
                   <a:ext uri="{0D108BD9-81ED-4DB2-BD59-A6C34878D82A}">
-                    <a16:rowId xmlns:a16="http://schemas.microsoft.com/office/drawing/2014/main" val="10001"/>
+                    <a16:rowId xmlns:a16="http://schemas.microsoft.com/office/drawing/2014/main" xmlns="" val="10001"/>
                   </a:ext>
                 </a:extLst>
               </a:tr>
@@ -5275,7 +5275,7 @@
                 </a:tc>
                 <a:extLst>
                   <a:ext uri="{0D108BD9-81ED-4DB2-BD59-A6C34878D82A}">
-                    <a16:rowId xmlns:a16="http://schemas.microsoft.com/office/drawing/2014/main" val="10002"/>
+                    <a16:rowId xmlns:a16="http://schemas.microsoft.com/office/drawing/2014/main" xmlns="" val="10002"/>
                   </a:ext>
                 </a:extLst>
               </a:tr>
@@ -5390,7 +5390,7 @@
                 </a:tc>
                 <a:extLst>
                   <a:ext uri="{0D108BD9-81ED-4DB2-BD59-A6C34878D82A}">
-                    <a16:rowId xmlns:a16="http://schemas.microsoft.com/office/drawing/2014/main" val="10003"/>
+                    <a16:rowId xmlns:a16="http://schemas.microsoft.com/office/drawing/2014/main" xmlns="" val="10003"/>
                   </a:ext>
                 </a:extLst>
               </a:tr>
@@ -5505,7 +5505,7 @@
                 </a:tc>
                 <a:extLst>
                   <a:ext uri="{0D108BD9-81ED-4DB2-BD59-A6C34878D82A}">
-                    <a16:rowId xmlns:a16="http://schemas.microsoft.com/office/drawing/2014/main" val="10004"/>
+                    <a16:rowId xmlns:a16="http://schemas.microsoft.com/office/drawing/2014/main" xmlns="" val="10004"/>
                   </a:ext>
                 </a:extLst>
               </a:tr>
@@ -5620,7 +5620,7 @@
                 </a:tc>
                 <a:extLst>
                   <a:ext uri="{0D108BD9-81ED-4DB2-BD59-A6C34878D82A}">
-                    <a16:rowId xmlns:a16="http://schemas.microsoft.com/office/drawing/2014/main" val="10005"/>
+                    <a16:rowId xmlns:a16="http://schemas.microsoft.com/office/drawing/2014/main" xmlns="" val="10005"/>
                   </a:ext>
                 </a:extLst>
               </a:tr>
@@ -5732,7 +5732,7 @@
                 </a:tc>
                 <a:extLst>
                   <a:ext uri="{0D108BD9-81ED-4DB2-BD59-A6C34878D82A}">
-                    <a16:rowId xmlns:a16="http://schemas.microsoft.com/office/drawing/2014/main" val="10006"/>
+                    <a16:rowId xmlns:a16="http://schemas.microsoft.com/office/drawing/2014/main" xmlns="" val="10006"/>
                   </a:ext>
                 </a:extLst>
               </a:tr>
@@ -5968,8 +5968,8 @@
               <a:buAutoNum type="arabicPeriod"/>
             </a:pPr>
             <a:r>
-              <a:rPr lang="en-US" dirty="0"/>
-              <a:t>Results </a:t>
+              <a:rPr lang="en-US" dirty="0" smtClean="0"/>
+              <a:t>Results</a:t>
             </a:r>
           </a:p>
           <a:p>
@@ -5978,8 +5978,8 @@
               <a:buAutoNum type="arabicPeriod"/>
             </a:pPr>
             <a:r>
-              <a:rPr lang="en-US" dirty="0"/>
-              <a:t>Explorer</a:t>
+              <a:rPr lang="en-US" dirty="0" smtClean="0"/>
+              <a:t>Explorer </a:t>
             </a:r>
           </a:p>
           <a:p>
@@ -5988,9 +5988,16 @@
               <a:buAutoNum type="arabicPeriod"/>
             </a:pPr>
             <a:r>
-              <a:rPr lang="en-US" dirty="0"/>
+              <a:rPr lang="en-US" dirty="0" smtClean="0"/>
               <a:t>Editor</a:t>
             </a:r>
+            <a:endParaRPr lang="en-US" dirty="0">
+              <a:solidFill>
+                <a:schemeClr val="accent6">
+                  <a:lumMod val="75000"/>
+                </a:schemeClr>
+              </a:solidFill>
+            </a:endParaRPr>
           </a:p>
           <a:p>
             <a:pPr marL="514350" indent="-514350">
@@ -5998,9 +6005,16 @@
               <a:buAutoNum type="arabicPeriod"/>
             </a:pPr>
             <a:r>
-              <a:rPr lang="en-US" dirty="0"/>
-              <a:t>Log </a:t>
-            </a:r>
+              <a:rPr lang="en-US" dirty="0" smtClean="0"/>
+              <a:t>Log</a:t>
+            </a:r>
+            <a:endParaRPr lang="en-US" dirty="0">
+              <a:solidFill>
+                <a:schemeClr val="accent6">
+                  <a:lumMod val="75000"/>
+                </a:schemeClr>
+              </a:solidFill>
+            </a:endParaRPr>
           </a:p>
           <a:p>
             <a:pPr marL="514350" indent="-514350">
@@ -6008,9 +6022,16 @@
               <a:buAutoNum type="arabicPeriod"/>
             </a:pPr>
             <a:r>
-              <a:rPr lang="en-US" dirty="0"/>
+              <a:rPr lang="en-US" smtClean="0"/>
               <a:t>Output</a:t>
             </a:r>
+            <a:endParaRPr lang="en-US" dirty="0">
+              <a:solidFill>
+                <a:schemeClr val="accent6">
+                  <a:lumMod val="75000"/>
+                </a:schemeClr>
+              </a:solidFill>
+            </a:endParaRPr>
           </a:p>
         </p:txBody>
       </p:sp>
@@ -8263,21 +8284,21 @@
                 <a:gridCol w="1897380">
                   <a:extLst>
                     <a:ext uri="{9D8B030D-6E8A-4147-A177-3AD203B41FA5}">
-                      <a16:colId xmlns:a16="http://schemas.microsoft.com/office/drawing/2014/main" val="20000"/>
+                      <a16:colId xmlns:a16="http://schemas.microsoft.com/office/drawing/2014/main" xmlns="" val="20000"/>
                     </a:ext>
                   </a:extLst>
                 </a:gridCol>
                 <a:gridCol w="2514600">
                   <a:extLst>
                     <a:ext uri="{9D8B030D-6E8A-4147-A177-3AD203B41FA5}">
-                      <a16:colId xmlns:a16="http://schemas.microsoft.com/office/drawing/2014/main" val="20001"/>
+                      <a16:colId xmlns:a16="http://schemas.microsoft.com/office/drawing/2014/main" xmlns="" val="20001"/>
                     </a:ext>
                   </a:extLst>
                 </a:gridCol>
                 <a:gridCol w="1600200">
                   <a:extLst>
                     <a:ext uri="{9D8B030D-6E8A-4147-A177-3AD203B41FA5}">
-                      <a16:colId xmlns:a16="http://schemas.microsoft.com/office/drawing/2014/main" val="20002"/>
+                      <a16:colId xmlns:a16="http://schemas.microsoft.com/office/drawing/2014/main" xmlns="" val="20002"/>
                     </a:ext>
                   </a:extLst>
                 </a:gridCol>
@@ -8587,7 +8608,7 @@
                 </a:tc>
                 <a:extLst>
                   <a:ext uri="{0D108BD9-81ED-4DB2-BD59-A6C34878D82A}">
-                    <a16:rowId xmlns:a16="http://schemas.microsoft.com/office/drawing/2014/main" val="10000"/>
+                    <a16:rowId xmlns:a16="http://schemas.microsoft.com/office/drawing/2014/main" xmlns="" val="10000"/>
                   </a:ext>
                 </a:extLst>
               </a:tr>
@@ -9003,7 +9024,7 @@
                 </a:tc>
                 <a:extLst>
                   <a:ext uri="{0D108BD9-81ED-4DB2-BD59-A6C34878D82A}">
-                    <a16:rowId xmlns:a16="http://schemas.microsoft.com/office/drawing/2014/main" val="10001"/>
+                    <a16:rowId xmlns:a16="http://schemas.microsoft.com/office/drawing/2014/main" xmlns="" val="10001"/>
                   </a:ext>
                 </a:extLst>
               </a:tr>
@@ -9090,21 +9111,21 @@
                 <a:gridCol w="1897380">
                   <a:extLst>
                     <a:ext uri="{9D8B030D-6E8A-4147-A177-3AD203B41FA5}">
-                      <a16:colId xmlns:a16="http://schemas.microsoft.com/office/drawing/2014/main" val="20000"/>
+                      <a16:colId xmlns:a16="http://schemas.microsoft.com/office/drawing/2014/main" xmlns="" val="20000"/>
                     </a:ext>
                   </a:extLst>
                 </a:gridCol>
                 <a:gridCol w="2514600">
                   <a:extLst>
                     <a:ext uri="{9D8B030D-6E8A-4147-A177-3AD203B41FA5}">
-                      <a16:colId xmlns:a16="http://schemas.microsoft.com/office/drawing/2014/main" val="20001"/>
+                      <a16:colId xmlns:a16="http://schemas.microsoft.com/office/drawing/2014/main" xmlns="" val="20001"/>
                     </a:ext>
                   </a:extLst>
                 </a:gridCol>
                 <a:gridCol w="1600200">
                   <a:extLst>
                     <a:ext uri="{9D8B030D-6E8A-4147-A177-3AD203B41FA5}">
-                      <a16:colId xmlns:a16="http://schemas.microsoft.com/office/drawing/2014/main" val="20002"/>
+                      <a16:colId xmlns:a16="http://schemas.microsoft.com/office/drawing/2014/main" xmlns="" val="20002"/>
                     </a:ext>
                   </a:extLst>
                 </a:gridCol>
@@ -9490,7 +9511,7 @@
                 </a:tc>
                 <a:extLst>
                   <a:ext uri="{0D108BD9-81ED-4DB2-BD59-A6C34878D82A}">
-                    <a16:rowId xmlns:a16="http://schemas.microsoft.com/office/drawing/2014/main" val="10000"/>
+                    <a16:rowId xmlns:a16="http://schemas.microsoft.com/office/drawing/2014/main" xmlns="" val="10000"/>
                   </a:ext>
                 </a:extLst>
               </a:tr>
@@ -9775,7 +9796,7 @@
                 </a:tc>
                 <a:extLst>
                   <a:ext uri="{0D108BD9-81ED-4DB2-BD59-A6C34878D82A}">
-                    <a16:rowId xmlns:a16="http://schemas.microsoft.com/office/drawing/2014/main" val="10001"/>
+                    <a16:rowId xmlns:a16="http://schemas.microsoft.com/office/drawing/2014/main" xmlns="" val="10001"/>
                   </a:ext>
                 </a:extLst>
               </a:tr>
@@ -9862,21 +9883,21 @@
                 <a:gridCol w="1873332">
                   <a:extLst>
                     <a:ext uri="{9D8B030D-6E8A-4147-A177-3AD203B41FA5}">
-                      <a16:colId xmlns:a16="http://schemas.microsoft.com/office/drawing/2014/main" val="20000"/>
+                      <a16:colId xmlns:a16="http://schemas.microsoft.com/office/drawing/2014/main" xmlns="" val="20000"/>
                     </a:ext>
                   </a:extLst>
                 </a:gridCol>
                 <a:gridCol w="2482729">
                   <a:extLst>
                     <a:ext uri="{9D8B030D-6E8A-4147-A177-3AD203B41FA5}">
-                      <a16:colId xmlns:a16="http://schemas.microsoft.com/office/drawing/2014/main" val="20001"/>
+                      <a16:colId xmlns:a16="http://schemas.microsoft.com/office/drawing/2014/main" xmlns="" val="20001"/>
                     </a:ext>
                   </a:extLst>
                 </a:gridCol>
                 <a:gridCol w="1579919">
                   <a:extLst>
                     <a:ext uri="{9D8B030D-6E8A-4147-A177-3AD203B41FA5}">
-                      <a16:colId xmlns:a16="http://schemas.microsoft.com/office/drawing/2014/main" val="20002"/>
+                      <a16:colId xmlns:a16="http://schemas.microsoft.com/office/drawing/2014/main" xmlns="" val="20002"/>
                     </a:ext>
                   </a:extLst>
                 </a:gridCol>
@@ -10446,7 +10467,7 @@
                 </a:tc>
                 <a:extLst>
                   <a:ext uri="{0D108BD9-81ED-4DB2-BD59-A6C34878D82A}">
-                    <a16:rowId xmlns:a16="http://schemas.microsoft.com/office/drawing/2014/main" val="10000"/>
+                    <a16:rowId xmlns:a16="http://schemas.microsoft.com/office/drawing/2014/main" xmlns="" val="10000"/>
                   </a:ext>
                 </a:extLst>
               </a:tr>
@@ -10716,7 +10737,7 @@
                 </a:tc>
                 <a:extLst>
                   <a:ext uri="{0D108BD9-81ED-4DB2-BD59-A6C34878D82A}">
-                    <a16:rowId xmlns:a16="http://schemas.microsoft.com/office/drawing/2014/main" val="10001"/>
+                    <a16:rowId xmlns:a16="http://schemas.microsoft.com/office/drawing/2014/main" xmlns="" val="10001"/>
                   </a:ext>
                 </a:extLst>
               </a:tr>
@@ -10803,21 +10824,21 @@
                 <a:gridCol w="1897380">
                   <a:extLst>
                     <a:ext uri="{9D8B030D-6E8A-4147-A177-3AD203B41FA5}">
-                      <a16:colId xmlns:a16="http://schemas.microsoft.com/office/drawing/2014/main" val="20000"/>
+                      <a16:colId xmlns:a16="http://schemas.microsoft.com/office/drawing/2014/main" xmlns="" val="20000"/>
                     </a:ext>
                   </a:extLst>
                 </a:gridCol>
                 <a:gridCol w="2514600">
                   <a:extLst>
                     <a:ext uri="{9D8B030D-6E8A-4147-A177-3AD203B41FA5}">
-                      <a16:colId xmlns:a16="http://schemas.microsoft.com/office/drawing/2014/main" val="20001"/>
+                      <a16:colId xmlns:a16="http://schemas.microsoft.com/office/drawing/2014/main" xmlns="" val="20001"/>
                     </a:ext>
                   </a:extLst>
                 </a:gridCol>
                 <a:gridCol w="1600200">
                   <a:extLst>
                     <a:ext uri="{9D8B030D-6E8A-4147-A177-3AD203B41FA5}">
-                      <a16:colId xmlns:a16="http://schemas.microsoft.com/office/drawing/2014/main" val="20002"/>
+                      <a16:colId xmlns:a16="http://schemas.microsoft.com/office/drawing/2014/main" xmlns="" val="20002"/>
                     </a:ext>
                   </a:extLst>
                 </a:gridCol>
@@ -11164,7 +11185,7 @@
                 </a:tc>
                 <a:extLst>
                   <a:ext uri="{0D108BD9-81ED-4DB2-BD59-A6C34878D82A}">
-                    <a16:rowId xmlns:a16="http://schemas.microsoft.com/office/drawing/2014/main" val="10000"/>
+                    <a16:rowId xmlns:a16="http://schemas.microsoft.com/office/drawing/2014/main" xmlns="" val="10000"/>
                   </a:ext>
                 </a:extLst>
               </a:tr>
@@ -11481,7 +11502,7 @@
                 </a:tc>
                 <a:extLst>
                   <a:ext uri="{0D108BD9-81ED-4DB2-BD59-A6C34878D82A}">
-                    <a16:rowId xmlns:a16="http://schemas.microsoft.com/office/drawing/2014/main" val="10001"/>
+                    <a16:rowId xmlns:a16="http://schemas.microsoft.com/office/drawing/2014/main" xmlns="" val="10001"/>
                   </a:ext>
                 </a:extLst>
               </a:tr>
